--- a/Book_Tracker_API PPT.pptx
+++ b/Book_Tracker_API PPT.pptx
@@ -223,7 +223,7 @@
           <a:p>
             <a:fld id="{BD8DE5F0-F600-46C3-AE4D-5148C69FFBAD}" type="datetimeFigureOut">
               <a:rPr lang="en-US" smtClean="0"/>
-              <a:t>9/10/2025</a:t>
+              <a:t>9/11/2025</a:t>
             </a:fld>
             <a:endParaRPr lang="en-US"/>
           </a:p>
@@ -1609,7 +1609,7 @@
           <a:p>
             <a:fld id="{8CFBE4D0-E68C-4FB2-8B3A-AA41DAF039F9}" type="datetimeFigureOut">
               <a:rPr lang="en-US" smtClean="0"/>
-              <a:t>9/10/2025</a:t>
+              <a:t>9/11/2025</a:t>
             </a:fld>
             <a:endParaRPr lang="en-US"/>
           </a:p>
@@ -1807,7 +1807,7 @@
           <a:p>
             <a:fld id="{8CFBE4D0-E68C-4FB2-8B3A-AA41DAF039F9}" type="datetimeFigureOut">
               <a:rPr lang="en-US" smtClean="0"/>
-              <a:t>9/10/2025</a:t>
+              <a:t>9/11/2025</a:t>
             </a:fld>
             <a:endParaRPr lang="en-US"/>
           </a:p>
@@ -2015,7 +2015,7 @@
           <a:p>
             <a:fld id="{8CFBE4D0-E68C-4FB2-8B3A-AA41DAF039F9}" type="datetimeFigureOut">
               <a:rPr lang="en-US" smtClean="0"/>
-              <a:t>9/10/2025</a:t>
+              <a:t>9/11/2025</a:t>
             </a:fld>
             <a:endParaRPr lang="en-US"/>
           </a:p>
@@ -2213,7 +2213,7 @@
           <a:p>
             <a:fld id="{8CFBE4D0-E68C-4FB2-8B3A-AA41DAF039F9}" type="datetimeFigureOut">
               <a:rPr lang="en-US" smtClean="0"/>
-              <a:t>9/10/2025</a:t>
+              <a:t>9/11/2025</a:t>
             </a:fld>
             <a:endParaRPr lang="en-US"/>
           </a:p>
@@ -2488,7 +2488,7 @@
           <a:p>
             <a:fld id="{8CFBE4D0-E68C-4FB2-8B3A-AA41DAF039F9}" type="datetimeFigureOut">
               <a:rPr lang="en-US" smtClean="0"/>
-              <a:t>9/10/2025</a:t>
+              <a:t>9/11/2025</a:t>
             </a:fld>
             <a:endParaRPr lang="en-US"/>
           </a:p>
@@ -2753,7 +2753,7 @@
           <a:p>
             <a:fld id="{8CFBE4D0-E68C-4FB2-8B3A-AA41DAF039F9}" type="datetimeFigureOut">
               <a:rPr lang="en-US" smtClean="0"/>
-              <a:t>9/10/2025</a:t>
+              <a:t>9/11/2025</a:t>
             </a:fld>
             <a:endParaRPr lang="en-US"/>
           </a:p>
@@ -3165,7 +3165,7 @@
           <a:p>
             <a:fld id="{8CFBE4D0-E68C-4FB2-8B3A-AA41DAF039F9}" type="datetimeFigureOut">
               <a:rPr lang="en-US" smtClean="0"/>
-              <a:t>9/10/2025</a:t>
+              <a:t>9/11/2025</a:t>
             </a:fld>
             <a:endParaRPr lang="en-US"/>
           </a:p>
@@ -3306,7 +3306,7 @@
           <a:p>
             <a:fld id="{8CFBE4D0-E68C-4FB2-8B3A-AA41DAF039F9}" type="datetimeFigureOut">
               <a:rPr lang="en-US" smtClean="0"/>
-              <a:t>9/10/2025</a:t>
+              <a:t>9/11/2025</a:t>
             </a:fld>
             <a:endParaRPr lang="en-US"/>
           </a:p>
@@ -3419,7 +3419,7 @@
           <a:p>
             <a:fld id="{8CFBE4D0-E68C-4FB2-8B3A-AA41DAF039F9}" type="datetimeFigureOut">
               <a:rPr lang="en-US" smtClean="0"/>
-              <a:t>9/10/2025</a:t>
+              <a:t>9/11/2025</a:t>
             </a:fld>
             <a:endParaRPr lang="en-US"/>
           </a:p>
@@ -3730,7 +3730,7 @@
           <a:p>
             <a:fld id="{8CFBE4D0-E68C-4FB2-8B3A-AA41DAF039F9}" type="datetimeFigureOut">
               <a:rPr lang="en-US" smtClean="0"/>
-              <a:t>9/10/2025</a:t>
+              <a:t>9/11/2025</a:t>
             </a:fld>
             <a:endParaRPr lang="en-US"/>
           </a:p>
@@ -4018,7 +4018,7 @@
           <a:p>
             <a:fld id="{8CFBE4D0-E68C-4FB2-8B3A-AA41DAF039F9}" type="datetimeFigureOut">
               <a:rPr lang="en-US" smtClean="0"/>
-              <a:t>9/10/2025</a:t>
+              <a:t>9/11/2025</a:t>
             </a:fld>
             <a:endParaRPr lang="en-US"/>
           </a:p>
@@ -4259,7 +4259,7 @@
           <a:p>
             <a:fld id="{8CFBE4D0-E68C-4FB2-8B3A-AA41DAF039F9}" type="datetimeFigureOut">
               <a:rPr lang="en-US" smtClean="0"/>
-              <a:t>9/10/2025</a:t>
+              <a:t>9/11/2025</a:t>
             </a:fld>
             <a:endParaRPr lang="en-US"/>
           </a:p>
@@ -5427,7 +5427,7 @@
             <a:blip r:embed="rId3">
               <a:extLst>
                 <a:ext uri="{96DAC541-7B7A-43D3-8B79-37D633B846F1}">
-                  <asvg:svgBlip xmlns="" xmlns:asvg="http://schemas.microsoft.com/office/drawing/2016/SVG/main" r:embed="rId4"/>
+                  <asvg:svgBlip xmlns:asvg="http://schemas.microsoft.com/office/drawing/2016/SVG/main" xmlns="" r:embed="rId4"/>
                 </a:ext>
               </a:extLst>
             </a:blip>
@@ -5957,7 +5957,7 @@
         </p:blipFill>
         <p:spPr>
           <a:xfrm>
-            <a:off x="557618" y="2872691"/>
+            <a:off x="584301" y="3068634"/>
             <a:ext cx="2600762" cy="2600762"/>
           </a:xfrm>
           <a:prstGeom prst="rect">
@@ -6660,7 +6660,7 @@
             <a:blip r:embed="rId3">
               <a:extLst>
                 <a:ext uri="{96DAC541-7B7A-43D3-8B79-37D633B846F1}">
-                  <asvg:svgBlip xmlns="" xmlns:asvg="http://schemas.microsoft.com/office/drawing/2016/SVG/main" r:embed="rId5"/>
+                  <asvg:svgBlip xmlns:asvg="http://schemas.microsoft.com/office/drawing/2016/SVG/main" xmlns="" r:embed="rId5"/>
                 </a:ext>
               </a:extLst>
             </a:blip>
@@ -6931,7 +6931,7 @@
             <a:blip r:embed="rId3">
               <a:extLst>
                 <a:ext uri="{96DAC541-7B7A-43D3-8B79-37D633B846F1}">
-                  <asvg:svgBlip xmlns="" xmlns:asvg="http://schemas.microsoft.com/office/drawing/2016/SVG/main" r:embed="rId4"/>
+                  <asvg:svgBlip xmlns:asvg="http://schemas.microsoft.com/office/drawing/2016/SVG/main" xmlns="" r:embed="rId4"/>
                 </a:ext>
               </a:extLst>
             </a:blip>
@@ -8815,7 +8815,7 @@
             <a:blip r:embed="rId3">
               <a:extLst>
                 <a:ext uri="{96DAC541-7B7A-43D3-8B79-37D633B846F1}">
-                  <asvg:svgBlip xmlns="" xmlns:asvg="http://schemas.microsoft.com/office/drawing/2016/SVG/main" r:embed="rId5"/>
+                  <asvg:svgBlip xmlns:asvg="http://schemas.microsoft.com/office/drawing/2016/SVG/main" xmlns="" r:embed="rId5"/>
                 </a:ext>
               </a:extLst>
             </a:blip>
@@ -9711,14 +9711,7 @@
                 <a:ea typeface="Calibri"/>
                 <a:cs typeface="Calibri"/>
               </a:rPr>
-              <a:t>- </a:t>
-            </a:r>
-            <a:r>
-              <a:rPr lang="en-US" sz="3200" dirty="0">
-                <a:ea typeface="Calibri"/>
-                <a:cs typeface="Calibri"/>
-              </a:rPr>
-              <a:t>API Workflow </a:t>
+              <a:t>- API Workflow </a:t>
             </a:r>
             <a:endParaRPr lang="en-US" sz="3200" dirty="0" smtClean="0">
               <a:ea typeface="Calibri"/>
@@ -9876,7 +9869,7 @@
             <a:blip r:embed="rId3">
               <a:extLst>
                 <a:ext uri="{96DAC541-7B7A-43D3-8B79-37D633B846F1}">
-                  <asvg:svgBlip xmlns="" xmlns:asvg="http://schemas.microsoft.com/office/drawing/2016/SVG/main" r:embed="rId4"/>
+                  <asvg:svgBlip xmlns:asvg="http://schemas.microsoft.com/office/drawing/2016/SVG/main" xmlns="" r:embed="rId4"/>
                 </a:ext>
               </a:extLst>
             </a:blip>
@@ -10586,7 +10579,7 @@
             <a:blip r:embed="rId3">
               <a:extLst>
                 <a:ext uri="{96DAC541-7B7A-43D3-8B79-37D633B846F1}">
-                  <asvg:svgBlip xmlns="" xmlns:asvg="http://schemas.microsoft.com/office/drawing/2016/SVG/main" r:embed="rId4"/>
+                  <asvg:svgBlip xmlns:asvg="http://schemas.microsoft.com/office/drawing/2016/SVG/main" xmlns="" r:embed="rId4"/>
                 </a:ext>
               </a:extLst>
             </a:blip>
@@ -11228,7 +11221,7 @@
             <a:blip r:embed="rId3">
               <a:extLst>
                 <a:ext uri="{96DAC541-7B7A-43D3-8B79-37D633B846F1}">
-                  <asvg:svgBlip xmlns="" xmlns:asvg="http://schemas.microsoft.com/office/drawing/2016/SVG/main" r:embed="rId4"/>
+                  <asvg:svgBlip xmlns:asvg="http://schemas.microsoft.com/office/drawing/2016/SVG/main" xmlns="" r:embed="rId4"/>
                 </a:ext>
               </a:extLst>
             </a:blip>
@@ -11896,7 +11889,7 @@
             <a:blip r:embed="rId3">
               <a:extLst>
                 <a:ext uri="{96DAC541-7B7A-43D3-8B79-37D633B846F1}">
-                  <asvg:svgBlip xmlns="" xmlns:asvg="http://schemas.microsoft.com/office/drawing/2016/SVG/main" r:embed="rId4"/>
+                  <asvg:svgBlip xmlns:asvg="http://schemas.microsoft.com/office/drawing/2016/SVG/main" xmlns="" r:embed="rId4"/>
                 </a:ext>
               </a:extLst>
             </a:blip>
@@ -12689,7 +12682,7 @@
             <a:blip r:embed="rId2">
               <a:extLst>
                 <a:ext uri="{96DAC541-7B7A-43D3-8B79-37D633B846F1}">
-                  <asvg:svgBlip xmlns:asvg="http://schemas.microsoft.com/office/drawing/2016/SVG/main" xmlns="" r:embed="rId3"/>
+                  <asvg:svgBlip xmlns="" xmlns:asvg="http://schemas.microsoft.com/office/drawing/2016/SVG/main" r:embed="rId3"/>
                 </a:ext>
               </a:extLst>
             </a:blip>
@@ -13304,7 +13297,7 @@
             <a:blip r:embed="rId3">
               <a:extLst>
                 <a:ext uri="{96DAC541-7B7A-43D3-8B79-37D633B846F1}">
-                  <asvg:svgBlip xmlns="" xmlns:asvg="http://schemas.microsoft.com/office/drawing/2016/SVG/main" r:embed="rId4"/>
+                  <asvg:svgBlip xmlns:asvg="http://schemas.microsoft.com/office/drawing/2016/SVG/main" xmlns="" r:embed="rId4"/>
                 </a:ext>
               </a:extLst>
             </a:blip>
@@ -14031,7 +14024,7 @@
             <a:blip r:embed="rId3">
               <a:extLst>
                 <a:ext uri="{96DAC541-7B7A-43D3-8B79-37D633B846F1}">
-                  <asvg:svgBlip xmlns="" xmlns:asvg="http://schemas.microsoft.com/office/drawing/2016/SVG/main" r:embed="rId4"/>
+                  <asvg:svgBlip xmlns:asvg="http://schemas.microsoft.com/office/drawing/2016/SVG/main" xmlns="" r:embed="rId4"/>
                 </a:ext>
               </a:extLst>
             </a:blip>
@@ -14094,7 +14087,7 @@
                 <a16:creationId xmlns:a16="http://schemas.microsoft.com/office/drawing/2014/main" id="{3D6B3D08-F22C-C780-532A-27893456D122}"/>
               </a:ext>
               <a:ext uri="{C183D7F6-B498-43B3-948B-1728B52AA6E4}">
-                <adec:decorative xmlns="" xmlns:adec="http://schemas.microsoft.com/office/drawing/2017/decorative" val="1"/>
+                <adec:decorative xmlns:adec="http://schemas.microsoft.com/office/drawing/2017/decorative" xmlns="" val="1"/>
               </a:ext>
             </a:extLst>
           </p:cNvPr>
@@ -14857,7 +14850,7 @@
         </p:nvSpPr>
         <p:spPr>
           <a:xfrm>
-            <a:off x="2813498" y="5117974"/>
+            <a:off x="1296995" y="3559674"/>
             <a:ext cx="229893" cy="229893"/>
           </a:xfrm>
           <a:prstGeom prst="flowChartConnector">
@@ -14971,7 +14964,7 @@
             <a:blip r:embed="rId3">
               <a:extLst>
                 <a:ext uri="{96DAC541-7B7A-43D3-8B79-37D633B846F1}">
-                  <asvg:svgBlip xmlns="" xmlns:asvg="http://schemas.microsoft.com/office/drawing/2016/SVG/main" r:embed="rId4"/>
+                  <asvg:svgBlip xmlns:asvg="http://schemas.microsoft.com/office/drawing/2016/SVG/main" xmlns="" r:embed="rId4"/>
                 </a:ext>
               </a:extLst>
             </a:blip>
@@ -15194,8 +15187,8 @@
         </p:nvSpPr>
         <p:spPr>
           <a:xfrm>
-            <a:off x="1460266" y="2210722"/>
-            <a:ext cx="2936358" cy="1325563"/>
+            <a:off x="1069798" y="1632965"/>
+            <a:ext cx="2936358" cy="879689"/>
           </a:xfrm>
           <a:prstGeom prst="rect">
             <a:avLst/>
@@ -15291,7 +15284,7 @@
         </p:nvSpPr>
         <p:spPr>
           <a:xfrm>
-            <a:off x="4245429" y="3262977"/>
+            <a:off x="1783317" y="4589786"/>
             <a:ext cx="1122488" cy="353590"/>
           </a:xfrm>
           <a:prstGeom prst="rect">
@@ -15650,13 +15643,15 @@
       <p:cxnSp>
         <p:nvCxnSpPr>
           <p:cNvPr id="75" name="Straight Connector 74"/>
-          <p:cNvCxnSpPr/>
+          <p:cNvCxnSpPr>
+            <a:endCxn id="2" idx="0"/>
+          </p:cNvCxnSpPr>
           <p:nvPr/>
         </p:nvCxnSpPr>
         <p:spPr>
           <a:xfrm>
-            <a:off x="6226333" y="2500118"/>
-            <a:ext cx="0" cy="403180"/>
+            <a:off x="6078262" y="2546036"/>
+            <a:ext cx="1" cy="302028"/>
           </a:xfrm>
           <a:prstGeom prst="line">
             <a:avLst/>
@@ -15690,7 +15685,7 @@
         </p:nvCxnSpPr>
         <p:spPr>
           <a:xfrm flipV="1">
-            <a:off x="4702629" y="2900252"/>
+            <a:off x="2240517" y="4227061"/>
             <a:ext cx="5202129" cy="12536"/>
           </a:xfrm>
           <a:prstGeom prst="line">
@@ -15725,7 +15720,7 @@
         </p:nvSpPr>
         <p:spPr>
           <a:xfrm>
-            <a:off x="5928740" y="3285861"/>
+            <a:off x="3466628" y="4612670"/>
             <a:ext cx="1115009" cy="353590"/>
           </a:xfrm>
           <a:prstGeom prst="rect">
@@ -15767,7 +15762,7 @@
         </p:nvSpPr>
         <p:spPr>
           <a:xfrm>
-            <a:off x="7457538" y="3221085"/>
+            <a:off x="4995426" y="4547894"/>
             <a:ext cx="1231343" cy="353590"/>
           </a:xfrm>
           <a:prstGeom prst="rect">
@@ -15809,7 +15804,7 @@
         </p:nvCxnSpPr>
         <p:spPr>
           <a:xfrm>
-            <a:off x="4717884" y="2903298"/>
+            <a:off x="2255772" y="4230107"/>
             <a:ext cx="0" cy="403180"/>
           </a:xfrm>
           <a:prstGeom prst="line">
@@ -15844,7 +15839,7 @@
         </p:nvCxnSpPr>
         <p:spPr>
           <a:xfrm>
-            <a:off x="6512764" y="2888898"/>
+            <a:off x="4050652" y="4215707"/>
             <a:ext cx="0" cy="403180"/>
           </a:xfrm>
           <a:prstGeom prst="line">
@@ -15879,7 +15874,7 @@
         </p:nvCxnSpPr>
         <p:spPr>
           <a:xfrm>
-            <a:off x="7966190" y="2903653"/>
+            <a:off x="5504078" y="4230462"/>
             <a:ext cx="1" cy="325705"/>
           </a:xfrm>
           <a:prstGeom prst="line">
@@ -15914,7 +15909,7 @@
         </p:nvCxnSpPr>
         <p:spPr>
           <a:xfrm>
-            <a:off x="9891587" y="2900846"/>
+            <a:off x="7429475" y="4227655"/>
             <a:ext cx="13171" cy="365159"/>
           </a:xfrm>
           <a:prstGeom prst="line">
@@ -15949,7 +15944,7 @@
         </p:nvSpPr>
         <p:spPr>
           <a:xfrm>
-            <a:off x="9280612" y="3275308"/>
+            <a:off x="6818500" y="4602117"/>
             <a:ext cx="1221950" cy="353590"/>
           </a:xfrm>
           <a:prstGeom prst="rect">
@@ -15991,7 +15986,7 @@
         </p:nvCxnSpPr>
         <p:spPr>
           <a:xfrm>
-            <a:off x="4815708" y="3611278"/>
+            <a:off x="2353596" y="4938087"/>
             <a:ext cx="0" cy="403180"/>
           </a:xfrm>
           <a:prstGeom prst="line">
@@ -16026,7 +16021,7 @@
         </p:nvSpPr>
         <p:spPr>
           <a:xfrm>
-            <a:off x="4297451" y="4006940"/>
+            <a:off x="1835339" y="5333749"/>
             <a:ext cx="1018444" cy="1111034"/>
           </a:xfrm>
           <a:prstGeom prst="ellipse">
@@ -16068,7 +16063,7 @@
         </p:nvSpPr>
         <p:spPr>
           <a:xfrm>
-            <a:off x="6087305" y="4030400"/>
+            <a:off x="3625193" y="5357209"/>
             <a:ext cx="997444" cy="1087574"/>
           </a:xfrm>
           <a:prstGeom prst="ellipse">
@@ -16110,7 +16105,7 @@
         </p:nvSpPr>
         <p:spPr>
           <a:xfrm>
-            <a:off x="7710098" y="4014458"/>
+            <a:off x="5247986" y="5341267"/>
             <a:ext cx="997444" cy="1103516"/>
           </a:xfrm>
           <a:prstGeom prst="ellipse">
@@ -16152,7 +16147,7 @@
         </p:nvSpPr>
         <p:spPr>
           <a:xfrm>
-            <a:off x="9405257" y="4002833"/>
+            <a:off x="6943145" y="5329642"/>
             <a:ext cx="985052" cy="1115141"/>
           </a:xfrm>
           <a:prstGeom prst="ellipse">
@@ -16194,7 +16189,7 @@
         </p:nvCxnSpPr>
         <p:spPr>
           <a:xfrm>
-            <a:off x="6578078" y="3655896"/>
+            <a:off x="4115966" y="4982705"/>
             <a:ext cx="0" cy="403180"/>
           </a:xfrm>
           <a:prstGeom prst="line">
@@ -16229,7 +16224,7 @@
         </p:nvCxnSpPr>
         <p:spPr>
           <a:xfrm>
-            <a:off x="8194381" y="3603760"/>
+            <a:off x="5732269" y="4930569"/>
             <a:ext cx="0" cy="403180"/>
           </a:xfrm>
           <a:prstGeom prst="line">
@@ -16264,7 +16259,7 @@
         </p:nvCxnSpPr>
         <p:spPr>
           <a:xfrm>
-            <a:off x="9891587" y="3639451"/>
+            <a:off x="7429475" y="4966260"/>
             <a:ext cx="0" cy="403180"/>
           </a:xfrm>
           <a:prstGeom prst="line">
@@ -16291,6 +16286,294 @@
           </a:fontRef>
         </p:style>
       </p:cxnSp>
+      <p:sp>
+        <p:nvSpPr>
+          <p:cNvPr id="2" name="Diamond 1"/>
+          <p:cNvSpPr/>
+          <p:nvPr/>
+        </p:nvSpPr>
+        <p:spPr>
+          <a:xfrm>
+            <a:off x="5311157" y="2848064"/>
+            <a:ext cx="1534211" cy="1332801"/>
+          </a:xfrm>
+          <a:prstGeom prst="diamond">
+            <a:avLst/>
+          </a:prstGeom>
+        </p:spPr>
+        <p:style>
+          <a:lnRef idx="2">
+            <a:schemeClr val="dk1"/>
+          </a:lnRef>
+          <a:fillRef idx="1">
+            <a:schemeClr val="lt1"/>
+          </a:fillRef>
+          <a:effectRef idx="0">
+            <a:schemeClr val="dk1"/>
+          </a:effectRef>
+          <a:fontRef idx="minor">
+            <a:schemeClr val="dk1"/>
+          </a:fontRef>
+        </p:style>
+        <p:txBody>
+          <a:bodyPr rtlCol="0" anchor="ctr"/>
+          <a:lstStyle/>
+          <a:p>
+            <a:pPr algn="ctr"/>
+            <a:r>
+              <a:rPr lang="en-IN" sz="1400" dirty="0" smtClean="0"/>
+              <a:t>Valid username &amp; password</a:t>
+            </a:r>
+            <a:endParaRPr lang="en-IN" sz="1400" dirty="0"/>
+          </a:p>
+        </p:txBody>
+      </p:sp>
+      <p:cxnSp>
+        <p:nvCxnSpPr>
+          <p:cNvPr id="6" name="Straight Connector 5"/>
+          <p:cNvCxnSpPr/>
+          <p:nvPr/>
+        </p:nvCxnSpPr>
+        <p:spPr>
+          <a:xfrm>
+            <a:off x="4392951" y="3505070"/>
+            <a:ext cx="925663" cy="8408"/>
+          </a:xfrm>
+          <a:prstGeom prst="line">
+            <a:avLst/>
+          </a:prstGeom>
+          <a:ln w="19050">
+            <a:solidFill>
+              <a:srgbClr val="1B134C"/>
+            </a:solidFill>
+          </a:ln>
+        </p:spPr>
+        <p:style>
+          <a:lnRef idx="1">
+            <a:schemeClr val="accent1"/>
+          </a:lnRef>
+          <a:fillRef idx="0">
+            <a:schemeClr val="accent1"/>
+          </a:fillRef>
+          <a:effectRef idx="0">
+            <a:schemeClr val="accent1"/>
+          </a:effectRef>
+          <a:fontRef idx="minor">
+            <a:schemeClr val="tx1"/>
+          </a:fontRef>
+        </p:style>
+      </p:cxnSp>
+      <p:cxnSp>
+        <p:nvCxnSpPr>
+          <p:cNvPr id="19" name="Straight Connector 18"/>
+          <p:cNvCxnSpPr/>
+          <p:nvPr/>
+        </p:nvCxnSpPr>
+        <p:spPr>
+          <a:xfrm>
+            <a:off x="4392951" y="3513478"/>
+            <a:ext cx="0" cy="726119"/>
+          </a:xfrm>
+          <a:prstGeom prst="line">
+            <a:avLst/>
+          </a:prstGeom>
+          <a:ln w="19050">
+            <a:solidFill>
+              <a:srgbClr val="1B134C"/>
+            </a:solidFill>
+          </a:ln>
+        </p:spPr>
+        <p:style>
+          <a:lnRef idx="1">
+            <a:schemeClr val="accent1"/>
+          </a:lnRef>
+          <a:fillRef idx="0">
+            <a:schemeClr val="accent1"/>
+          </a:fillRef>
+          <a:effectRef idx="0">
+            <a:schemeClr val="accent1"/>
+          </a:effectRef>
+          <a:fontRef idx="minor">
+            <a:schemeClr val="tx1"/>
+          </a:fontRef>
+        </p:style>
+      </p:cxnSp>
+      <p:cxnSp>
+        <p:nvCxnSpPr>
+          <p:cNvPr id="21" name="Straight Connector 20"/>
+          <p:cNvCxnSpPr>
+            <a:stCxn id="2" idx="3"/>
+          </p:cNvCxnSpPr>
+          <p:nvPr/>
+        </p:nvCxnSpPr>
+        <p:spPr>
+          <a:xfrm flipV="1">
+            <a:off x="6845368" y="3513478"/>
+            <a:ext cx="1928145" cy="987"/>
+          </a:xfrm>
+          <a:prstGeom prst="line">
+            <a:avLst/>
+          </a:prstGeom>
+          <a:ln w="19050">
+            <a:solidFill>
+              <a:schemeClr val="tx1"/>
+            </a:solidFill>
+          </a:ln>
+        </p:spPr>
+        <p:style>
+          <a:lnRef idx="1">
+            <a:schemeClr val="accent1"/>
+          </a:lnRef>
+          <a:fillRef idx="0">
+            <a:schemeClr val="accent1"/>
+          </a:fillRef>
+          <a:effectRef idx="0">
+            <a:schemeClr val="accent1"/>
+          </a:effectRef>
+          <a:fontRef idx="minor">
+            <a:schemeClr val="tx1"/>
+          </a:fontRef>
+        </p:style>
+      </p:cxnSp>
+      <p:cxnSp>
+        <p:nvCxnSpPr>
+          <p:cNvPr id="23" name="Straight Connector 22"/>
+          <p:cNvCxnSpPr>
+            <a:endCxn id="24" idx="0"/>
+          </p:cNvCxnSpPr>
+          <p:nvPr/>
+        </p:nvCxnSpPr>
+        <p:spPr>
+          <a:xfrm>
+            <a:off x="8770764" y="3513478"/>
+            <a:ext cx="48540" cy="439091"/>
+          </a:xfrm>
+          <a:prstGeom prst="line">
+            <a:avLst/>
+          </a:prstGeom>
+          <a:ln w="19050">
+            <a:solidFill>
+              <a:schemeClr val="tx1"/>
+            </a:solidFill>
+          </a:ln>
+        </p:spPr>
+        <p:style>
+          <a:lnRef idx="1">
+            <a:schemeClr val="accent1"/>
+          </a:lnRef>
+          <a:fillRef idx="0">
+            <a:schemeClr val="accent1"/>
+          </a:fillRef>
+          <a:effectRef idx="0">
+            <a:schemeClr val="accent1"/>
+          </a:effectRef>
+          <a:fontRef idx="minor">
+            <a:schemeClr val="tx1"/>
+          </a:fontRef>
+        </p:style>
+      </p:cxnSp>
+      <p:sp>
+        <p:nvSpPr>
+          <p:cNvPr id="24" name="Oval 23"/>
+          <p:cNvSpPr/>
+          <p:nvPr/>
+        </p:nvSpPr>
+        <p:spPr>
+          <a:xfrm>
+            <a:off x="8152165" y="3952569"/>
+            <a:ext cx="1334277" cy="1150512"/>
+          </a:xfrm>
+          <a:prstGeom prst="ellipse">
+            <a:avLst/>
+          </a:prstGeom>
+        </p:spPr>
+        <p:style>
+          <a:lnRef idx="2">
+            <a:schemeClr val="dk1"/>
+          </a:lnRef>
+          <a:fillRef idx="1">
+            <a:schemeClr val="lt1"/>
+          </a:fillRef>
+          <a:effectRef idx="0">
+            <a:schemeClr val="dk1"/>
+          </a:effectRef>
+          <a:fontRef idx="minor">
+            <a:schemeClr val="dk1"/>
+          </a:fontRef>
+        </p:style>
+        <p:txBody>
+          <a:bodyPr rtlCol="0" anchor="ctr"/>
+          <a:lstStyle/>
+          <a:p>
+            <a:pPr algn="ctr"/>
+            <a:r>
+              <a:rPr lang="en-IN" sz="1400" dirty="0" smtClean="0"/>
+              <a:t>Enter Valid username &amp; password</a:t>
+            </a:r>
+            <a:endParaRPr lang="en-IN" sz="1400" dirty="0"/>
+          </a:p>
+        </p:txBody>
+      </p:sp>
+      <p:sp>
+        <p:nvSpPr>
+          <p:cNvPr id="59" name="TextBox 58"/>
+          <p:cNvSpPr txBox="1"/>
+          <p:nvPr/>
+        </p:nvSpPr>
+        <p:spPr>
+          <a:xfrm>
+            <a:off x="4869805" y="2931745"/>
+            <a:ext cx="993707" cy="338554"/>
+          </a:xfrm>
+          <a:prstGeom prst="rect">
+            <a:avLst/>
+          </a:prstGeom>
+          <a:noFill/>
+        </p:spPr>
+        <p:txBody>
+          <a:bodyPr wrap="square" rtlCol="0">
+            <a:spAutoFit/>
+          </a:bodyPr>
+          <a:lstStyle/>
+          <a:p>
+            <a:r>
+              <a:rPr lang="en-IN" sz="1600" dirty="0" smtClean="0"/>
+              <a:t>Success</a:t>
+            </a:r>
+            <a:endParaRPr lang="en-IN" sz="1600" dirty="0"/>
+          </a:p>
+        </p:txBody>
+      </p:sp>
+      <p:sp>
+        <p:nvSpPr>
+          <p:cNvPr id="60" name="TextBox 59"/>
+          <p:cNvSpPr txBox="1"/>
+          <p:nvPr/>
+        </p:nvSpPr>
+        <p:spPr>
+          <a:xfrm>
+            <a:off x="7047058" y="2931745"/>
+            <a:ext cx="696998" cy="338554"/>
+          </a:xfrm>
+          <a:prstGeom prst="rect">
+            <a:avLst/>
+          </a:prstGeom>
+          <a:noFill/>
+        </p:spPr>
+        <p:txBody>
+          <a:bodyPr wrap="square" rtlCol="0">
+            <a:spAutoFit/>
+          </a:bodyPr>
+          <a:lstStyle/>
+          <a:p>
+            <a:r>
+              <a:rPr lang="en-IN" sz="1600" dirty="0" smtClean="0"/>
+              <a:t>Failed</a:t>
+            </a:r>
+            <a:endParaRPr lang="en-IN" sz="1600" dirty="0"/>
+          </a:p>
+        </p:txBody>
+      </p:sp>
     </p:spTree>
     <p:extLst>
       <p:ext uri="{BB962C8B-B14F-4D97-AF65-F5344CB8AC3E}">
